--- a/fall/sem_1_terminal/presentation/Семинар_1_terminal.pptx
+++ b/fall/sem_1_terminal/presentation/Семинар_1_terminal.pptx
@@ -18,9 +18,8 @@
     <p:sldId id="265" r:id="rId12"/>
     <p:sldId id="266" r:id="rId13"/>
     <p:sldId id="267" r:id="rId14"/>
-    <p:sldId id="268" r:id="rId15"/>
-    <p:sldId id="269" r:id="rId16"/>
-    <p:sldId id="270" r:id="rId17"/>
+    <p:sldId id="269" r:id="rId15"/>
+    <p:sldId id="270" r:id="rId16"/>
   </p:sldIdLst>
   <p:sldSz cx="12192000" cy="6858000"/>
   <p:notesSz cx="12192000" cy="6858000"/>
@@ -276,7 +275,7 @@
             </a:pPr>
             <a:fld id="{BCC18F51-09EC-435C-A3BA-64A766E099C0}" type="datetimeFigureOut">
               <a:rPr lang="ru-RU"/>
-              <a:t>04.09.2024</a:t>
+              <a:t>12.09.2024</a:t>
             </a:fld>
             <a:endParaRPr lang="ru-RU"/>
           </a:p>
@@ -465,7 +464,7 @@
             </a:pPr>
             <a:fld id="{BCC18F51-09EC-435C-A3BA-64A766E099C0}" type="datetimeFigureOut">
               <a:rPr lang="ru-RU"/>
-              <a:t>04.09.2024</a:t>
+              <a:t>12.09.2024</a:t>
             </a:fld>
             <a:endParaRPr lang="ru-RU"/>
           </a:p>
@@ -664,7 +663,7 @@
             </a:pPr>
             <a:fld id="{BCC18F51-09EC-435C-A3BA-64A766E099C0}" type="datetimeFigureOut">
               <a:rPr lang="ru-RU"/>
-              <a:t>04.09.2024</a:t>
+              <a:t>12.09.2024</a:t>
             </a:fld>
             <a:endParaRPr lang="ru-RU"/>
           </a:p>
@@ -853,7 +852,7 @@
             </a:pPr>
             <a:fld id="{BCC18F51-09EC-435C-A3BA-64A766E099C0}" type="datetimeFigureOut">
               <a:rPr lang="ru-RU"/>
-              <a:t>04.09.2024</a:t>
+              <a:t>12.09.2024</a:t>
             </a:fld>
             <a:endParaRPr lang="ru-RU"/>
           </a:p>
@@ -1108,7 +1107,7 @@
             </a:pPr>
             <a:fld id="{BCC18F51-09EC-435C-A3BA-64A766E099C0}" type="datetimeFigureOut">
               <a:rPr lang="ru-RU"/>
-              <a:t>04.09.2024</a:t>
+              <a:t>12.09.2024</a:t>
             </a:fld>
             <a:endParaRPr lang="ru-RU"/>
           </a:p>
@@ -1372,7 +1371,7 @@
             </a:pPr>
             <a:fld id="{BCC18F51-09EC-435C-A3BA-64A766E099C0}" type="datetimeFigureOut">
               <a:rPr lang="ru-RU"/>
-              <a:t>04.09.2024</a:t>
+              <a:t>12.09.2024</a:t>
             </a:fld>
             <a:endParaRPr lang="ru-RU"/>
           </a:p>
@@ -1777,7 +1776,7 @@
             </a:pPr>
             <a:fld id="{BCC18F51-09EC-435C-A3BA-64A766E099C0}" type="datetimeFigureOut">
               <a:rPr lang="ru-RU"/>
-              <a:t>04.09.2024</a:t>
+              <a:t>12.09.2024</a:t>
             </a:fld>
             <a:endParaRPr lang="ru-RU"/>
           </a:p>
@@ -1901,7 +1900,7 @@
             </a:pPr>
             <a:fld id="{BCC18F51-09EC-435C-A3BA-64A766E099C0}" type="datetimeFigureOut">
               <a:rPr lang="ru-RU"/>
-              <a:t>04.09.2024</a:t>
+              <a:t>12.09.2024</a:t>
             </a:fld>
             <a:endParaRPr lang="ru-RU"/>
           </a:p>
@@ -2000,7 +1999,7 @@
             </a:pPr>
             <a:fld id="{BCC18F51-09EC-435C-A3BA-64A766E099C0}" type="datetimeFigureOut">
               <a:rPr lang="ru-RU"/>
-              <a:t>04.09.2024</a:t>
+              <a:t>12.09.2024</a:t>
             </a:fld>
             <a:endParaRPr lang="ru-RU"/>
           </a:p>
@@ -2299,7 +2298,7 @@
             </a:pPr>
             <a:fld id="{BCC18F51-09EC-435C-A3BA-64A766E099C0}" type="datetimeFigureOut">
               <a:rPr lang="ru-RU"/>
-              <a:t>04.09.2024</a:t>
+              <a:t>12.09.2024</a:t>
             </a:fld>
             <a:endParaRPr lang="ru-RU"/>
           </a:p>
@@ -2567,7 +2566,7 @@
             </a:pPr>
             <a:fld id="{BCC18F51-09EC-435C-A3BA-64A766E099C0}" type="datetimeFigureOut">
               <a:rPr lang="ru-RU"/>
-              <a:t>04.09.2024</a:t>
+              <a:t>12.09.2024</a:t>
             </a:fld>
             <a:endParaRPr lang="ru-RU"/>
           </a:p>
@@ -2799,7 +2798,7 @@
             </a:pPr>
             <a:fld id="{BCC18F51-09EC-435C-A3BA-64A766E099C0}" type="datetimeFigureOut">
               <a:rPr lang="ru-RU"/>
-              <a:t>04.09.2024</a:t>
+              <a:t>12.09.2024</a:t>
             </a:fld>
             <a:endParaRPr lang="ru-RU"/>
           </a:p>
@@ -3979,7 +3978,7 @@
       </p:grpSpPr>
       <p:sp>
         <p:nvSpPr>
-          <p:cNvPr id="420630600" name="Title 1"/>
+          <p:cNvPr id="1082038424" name="Title 1"/>
           <p:cNvSpPr>
             <a:spLocks noGrp="1"/>
           </p:cNvSpPr>
@@ -3996,14 +3995,14 @@
               <a:defRPr/>
             </a:pPr>
             <a:r>
-              <a:t>Задание:</a:t>
-            </a:r>
-          </a:p>
-        </p:txBody>
-      </p:sp>
-      <p:sp>
-        <p:nvSpPr>
-          <p:cNvPr id="1288074103" name="Content Placeholder 2"/>
+              <a:t>Процессы</a:t>
+            </a:r>
+          </a:p>
+        </p:txBody>
+      </p:sp>
+      <p:sp>
+        <p:nvSpPr>
+          <p:cNvPr id="392620293" name="Content Placeholder 2"/>
           <p:cNvSpPr>
             <a:spLocks noGrp="1"/>
           </p:cNvSpPr>
@@ -4013,36 +4012,34 @@
         </p:nvSpPr>
         <p:spPr bwMode="auto"/>
         <p:txBody>
-          <a:bodyPr/>
-          <a:lstStyle/>
-          <a:p>
-            <a:pPr marL="316922" indent="-316922">
-              <a:buFont typeface="Arial"/>
-              <a:buAutoNum type="arabicPeriod"/>
-              <a:defRPr/>
-            </a:pPr>
-            <a:r>
-              <a:t>Создайте локально (на своём компьютере) папку, где вы будете работать</a:t>
-            </a:r>
-          </a:p>
-          <a:p>
-            <a:pPr marL="316922" indent="-316922">
-              <a:buFont typeface="Arial"/>
-              <a:buAutoNum type="arabicPeriod"/>
-              <a:defRPr/>
-            </a:pPr>
-            <a:r>
-              <a:t>Подключитесь по ssh к удалённому компьютеру:</a:t>
-            </a:r>
-          </a:p>
-          <a:p>
-            <a:pPr marL="342898" lvl="1" indent="0">
-              <a:buFont typeface="Arial"/>
-              <a:buNone/>
-              <a:defRPr/>
-            </a:pPr>
-            <a:r>
-              <a:rPr lang="ru-RU" sz="2100" b="0" i="0" u="none" strike="noStrike" cap="none" spc="0">
+          <a:bodyPr vertOverflow="overflow" horzOverflow="clip" vert="horz" wrap="square" lIns="91440" tIns="45720" rIns="91440" bIns="45720" numCol="1" spcCol="0" rtlCol="0" fromWordArt="0" anchor="t" anchorCtr="0" forceAA="0" compatLnSpc="0">
+            <a:normAutofit/>
+          </a:bodyPr>
+          <a:lstStyle/>
+          <a:p>
+            <a:pPr>
+              <a:defRPr/>
+            </a:pPr>
+            <a:r>
+              <a:rPr sz="2000"/>
+              <a:t>$ ps -aux  – Список запущенных процессов</a:t>
+            </a:r>
+          </a:p>
+          <a:p>
+            <a:pPr>
+              <a:defRPr/>
+            </a:pPr>
+            <a:r>
+              <a:rPr sz="2000"/>
+              <a:t>$ pstree – Процессы в виде дерева</a:t>
+            </a:r>
+          </a:p>
+          <a:p>
+            <a:pPr>
+              <a:defRPr/>
+            </a:pPr>
+            <a:r>
+              <a:rPr lang="ru-RU" sz="2000" b="0" i="0" u="none" strike="noStrike" cap="none" spc="0">
                 <a:solidFill>
                   <a:schemeClr val="tx1"/>
                 </a:solidFill>
@@ -4050,20 +4047,72 @@
                 <a:ea typeface="+mn-ea"/>
                 <a:cs typeface="+mn-cs"/>
               </a:rPr>
-              <a:t>	</a:t>
-            </a:r>
-            <a:r>
-              <a:rPr lang="ru-RU" sz="2100" b="0" i="0" u="none" strike="noStrike" cap="none" spc="0">
-                <a:solidFill>
-                  <a:schemeClr val="tx1"/>
-                </a:solidFill>
-                <a:latin typeface="Arial"/>
-                <a:ea typeface="Arial"/>
-                <a:cs typeface="Arial"/>
-              </a:rPr>
-              <a:t>ssh task1@192.168.43.82</a:t>
-            </a:r>
-            <a:endParaRPr sz="2100"/>
+              <a:t>$ htop  – Показать текущие запущенные процессы с графиками + плюшки</a:t>
+            </a:r>
+            <a:endParaRPr sz="2000"/>
+          </a:p>
+          <a:p>
+            <a:pPr>
+              <a:defRPr/>
+            </a:pPr>
+            <a:endParaRPr sz="2000"/>
+          </a:p>
+          <a:p>
+            <a:pPr>
+              <a:defRPr/>
+            </a:pPr>
+            <a:r>
+              <a:rPr sz="2000"/>
+              <a:t>Ctrl + C – Убить процесс</a:t>
+            </a:r>
+          </a:p>
+          <a:p>
+            <a:pPr>
+              <a:defRPr/>
+            </a:pPr>
+            <a:r>
+              <a:rPr sz="2000"/>
+              <a:t>Ctrl + Z – Остановить процесс</a:t>
+            </a:r>
+          </a:p>
+          <a:p>
+            <a:pPr>
+              <a:defRPr/>
+            </a:pPr>
+            <a:r>
+              <a:rPr sz="2000"/>
+              <a:t>Ctrl + D – Послать EOF (</a:t>
+            </a:r>
+            <a:r>
+              <a:rPr sz="2000" b="1"/>
+              <a:t>E</a:t>
+            </a:r>
+            <a:r>
+              <a:rPr sz="2000"/>
+              <a:t>nd </a:t>
+            </a:r>
+            <a:r>
+              <a:rPr sz="2000" b="1"/>
+              <a:t>O</a:t>
+            </a:r>
+            <a:r>
+              <a:rPr sz="2000"/>
+              <a:t>f </a:t>
+            </a:r>
+            <a:r>
+              <a:rPr sz="2000" b="1"/>
+              <a:t>F</a:t>
+            </a:r>
+            <a:r>
+              <a:rPr sz="2000"/>
+              <a:t>ile)</a:t>
+            </a:r>
+          </a:p>
+          <a:p>
+            <a:pPr>
+              <a:defRPr/>
+            </a:pPr>
+            <a:endParaRPr sz="2000"/>
           </a:p>
           <a:p>
             <a:pPr marL="0" indent="0">
@@ -4071,71 +4120,15 @@
               <a:buNone/>
               <a:defRPr/>
             </a:pPr>
-            <a:r>
-              <a:rPr lang="ru-RU" sz="2100" b="0" i="0" u="none" strike="noStrike" cap="none" spc="0">
-                <a:solidFill>
-                  <a:schemeClr val="tx1"/>
-                </a:solidFill>
-                <a:latin typeface="+mn-lt"/>
-                <a:ea typeface="+mn-ea"/>
-                <a:cs typeface="+mn-cs"/>
-              </a:rPr>
-              <a:t>	password: task1</a:t>
-            </a:r>
-            <a:endParaRPr sz="2100"/>
-          </a:p>
-          <a:p>
-            <a:pPr marL="0" indent="0">
-              <a:buFont typeface="Arial"/>
-              <a:buNone/>
-              <a:defRPr/>
-            </a:pPr>
-            <a:r>
-              <a:t>3. Скопируйте к себе папку с заданием</a:t>
-            </a:r>
-          </a:p>
-          <a:p>
-            <a:pPr marL="0" indent="0">
-              <a:buFont typeface="Arial"/>
-              <a:buNone/>
-              <a:defRPr/>
-            </a:pPr>
-            <a:r>
-              <a:t>4. Выполните задание</a:t>
-            </a:r>
-          </a:p>
-          <a:p>
-            <a:pPr marL="0" indent="0">
-              <a:buFont typeface="Arial"/>
-              <a:buNone/>
-              <a:defRPr/>
-            </a:pPr>
-            <a:r>
-              <a:t>5. Зациклить данную инструкцию, инкрементировав номер задания</a:t>
-            </a:r>
-          </a:p>
-          <a:p>
-            <a:pPr marL="0" indent="0">
-              <a:buFont typeface="Arial"/>
-              <a:buNone/>
-              <a:defRPr/>
-            </a:pPr>
-            <a:endParaRPr/>
-          </a:p>
-          <a:p>
-            <a:pPr marL="0" indent="0">
-              <a:buFont typeface="Arial"/>
-              <a:buNone/>
-              <a:defRPr/>
-            </a:pPr>
-            <a:endParaRPr/>
-          </a:p>
-          <a:p>
-            <a:pPr>
-              <a:defRPr/>
-            </a:pPr>
-            <a:r>
-              <a:t>Можно скопировать папку и не подключаясь к серверу, локально использовав команду scp</a:t>
+            <a:endParaRPr sz="2000"/>
+          </a:p>
+          <a:p>
+            <a:pPr>
+              <a:defRPr/>
+            </a:pPr>
+            <a:r>
+              <a:rPr sz="2000"/>
+              <a:t>N.B. Демо: inf_loop</a:t>
             </a:r>
           </a:p>
         </p:txBody>
@@ -4149,188 +4142,6 @@
 </file>
 
 <file path=ppt/slides/slide15.xml><?xml version="1.0" encoding="utf-8"?>
-<p:sld xmlns:a="http://schemas.openxmlformats.org/drawingml/2006/main" xmlns:r="http://schemas.openxmlformats.org/officeDocument/2006/relationships" xmlns:p="http://schemas.openxmlformats.org/presentationml/2006/main" showMasterPhAnim="0">
-  <p:cSld>
-    <p:spTree>
-      <p:nvGrpSpPr>
-        <p:cNvPr id="1" name=""/>
-        <p:cNvGrpSpPr/>
-        <p:nvPr/>
-      </p:nvGrpSpPr>
-      <p:grpSpPr bwMode="auto">
-        <a:xfrm>
-          <a:off x="0" y="0"/>
-          <a:ext cx="0" cy="0"/>
-          <a:chOff x="0" y="0"/>
-          <a:chExt cx="0" cy="0"/>
-        </a:xfrm>
-      </p:grpSpPr>
-      <p:sp>
-        <p:nvSpPr>
-          <p:cNvPr id="1082038424" name="Title 1"/>
-          <p:cNvSpPr>
-            <a:spLocks noGrp="1"/>
-          </p:cNvSpPr>
-          <p:nvPr>
-            <p:ph type="title"/>
-          </p:nvPr>
-        </p:nvSpPr>
-        <p:spPr bwMode="auto"/>
-        <p:txBody>
-          <a:bodyPr/>
-          <a:lstStyle/>
-          <a:p>
-            <a:pPr>
-              <a:defRPr/>
-            </a:pPr>
-            <a:r>
-              <a:t>Процессы</a:t>
-            </a:r>
-          </a:p>
-        </p:txBody>
-      </p:sp>
-      <p:sp>
-        <p:nvSpPr>
-          <p:cNvPr id="392620293" name="Content Placeholder 2"/>
-          <p:cNvSpPr>
-            <a:spLocks noGrp="1"/>
-          </p:cNvSpPr>
-          <p:nvPr>
-            <p:ph idx="1"/>
-          </p:nvPr>
-        </p:nvSpPr>
-        <p:spPr bwMode="auto"/>
-        <p:txBody>
-          <a:bodyPr vertOverflow="overflow" horzOverflow="clip" vert="horz" wrap="square" lIns="91440" tIns="45720" rIns="91440" bIns="45720" numCol="1" spcCol="0" rtlCol="0" fromWordArt="0" anchor="t" anchorCtr="0" forceAA="0" compatLnSpc="0">
-            <a:normAutofit/>
-          </a:bodyPr>
-          <a:lstStyle/>
-          <a:p>
-            <a:pPr>
-              <a:defRPr/>
-            </a:pPr>
-            <a:r>
-              <a:rPr sz="2000"/>
-              <a:t>$ ps -aux  – Список запущенных процессов</a:t>
-            </a:r>
-          </a:p>
-          <a:p>
-            <a:pPr>
-              <a:defRPr/>
-            </a:pPr>
-            <a:r>
-              <a:rPr sz="2000"/>
-              <a:t>$ pstree – Процессы в виде дерева</a:t>
-            </a:r>
-          </a:p>
-          <a:p>
-            <a:pPr>
-              <a:defRPr/>
-            </a:pPr>
-            <a:r>
-              <a:rPr lang="ru-RU" sz="2000" b="0" i="0" u="none" strike="noStrike" cap="none" spc="0">
-                <a:solidFill>
-                  <a:schemeClr val="tx1"/>
-                </a:solidFill>
-                <a:latin typeface="+mn-lt"/>
-                <a:ea typeface="+mn-ea"/>
-                <a:cs typeface="+mn-cs"/>
-              </a:rPr>
-              <a:t>$ htop  – Показать текущие запущенные процессы с графиками + плюшки</a:t>
-            </a:r>
-            <a:endParaRPr sz="2000"/>
-          </a:p>
-          <a:p>
-            <a:pPr>
-              <a:defRPr/>
-            </a:pPr>
-            <a:endParaRPr sz="2000"/>
-          </a:p>
-          <a:p>
-            <a:pPr>
-              <a:defRPr/>
-            </a:pPr>
-            <a:r>
-              <a:rPr sz="2000"/>
-              <a:t>Ctrl + C – Убить процесс</a:t>
-            </a:r>
-          </a:p>
-          <a:p>
-            <a:pPr>
-              <a:defRPr/>
-            </a:pPr>
-            <a:r>
-              <a:rPr sz="2000"/>
-              <a:t>Ctrl + Z – Остановить процесс</a:t>
-            </a:r>
-          </a:p>
-          <a:p>
-            <a:pPr>
-              <a:defRPr/>
-            </a:pPr>
-            <a:r>
-              <a:rPr sz="2000"/>
-              <a:t>Ctrl + D – Послать EOF (</a:t>
-            </a:r>
-            <a:r>
-              <a:rPr sz="2000" b="1"/>
-              <a:t>E</a:t>
-            </a:r>
-            <a:r>
-              <a:rPr sz="2000"/>
-              <a:t>nd </a:t>
-            </a:r>
-            <a:r>
-              <a:rPr sz="2000" b="1"/>
-              <a:t>O</a:t>
-            </a:r>
-            <a:r>
-              <a:rPr sz="2000"/>
-              <a:t>f </a:t>
-            </a:r>
-            <a:r>
-              <a:rPr sz="2000" b="1"/>
-              <a:t>F</a:t>
-            </a:r>
-            <a:r>
-              <a:rPr sz="2000"/>
-              <a:t>ile)</a:t>
-            </a:r>
-          </a:p>
-          <a:p>
-            <a:pPr>
-              <a:defRPr/>
-            </a:pPr>
-            <a:endParaRPr sz="2000"/>
-          </a:p>
-          <a:p>
-            <a:pPr marL="0" indent="0">
-              <a:buFont typeface="Arial"/>
-              <a:buNone/>
-              <a:defRPr/>
-            </a:pPr>
-            <a:endParaRPr sz="2000"/>
-          </a:p>
-          <a:p>
-            <a:pPr>
-              <a:defRPr/>
-            </a:pPr>
-            <a:r>
-              <a:rPr sz="2000"/>
-              <a:t>N.B. Демо: inf_loop</a:t>
-            </a:r>
-          </a:p>
-        </p:txBody>
-      </p:sp>
-    </p:spTree>
-  </p:cSld>
-  <p:clrMapOvr>
-    <a:masterClrMapping/>
-  </p:clrMapOvr>
-</p:sld>
-</file>
-
-<file path=ppt/slides/slide16.xml><?xml version="1.0" encoding="utf-8"?>
 <p:sld xmlns:a="http://schemas.openxmlformats.org/drawingml/2006/main" xmlns:r="http://schemas.openxmlformats.org/officeDocument/2006/relationships" xmlns:p="http://schemas.openxmlformats.org/presentationml/2006/main" showMasterPhAnim="0">
   <p:cSld>
     <p:spTree>

--- a/fall/sem_1_terminal/presentation/Семинар_1_terminal.pptx
+++ b/fall/sem_1_terminal/presentation/Семинар_1_terminal.pptx
@@ -275,7 +275,7 @@
             </a:pPr>
             <a:fld id="{BCC18F51-09EC-435C-A3BA-64A766E099C0}" type="datetimeFigureOut">
               <a:rPr lang="ru-RU"/>
-              <a:t>12.09.2024</a:t>
+              <a:t>14.09.2024</a:t>
             </a:fld>
             <a:endParaRPr lang="ru-RU"/>
           </a:p>
@@ -464,7 +464,7 @@
             </a:pPr>
             <a:fld id="{BCC18F51-09EC-435C-A3BA-64A766E099C0}" type="datetimeFigureOut">
               <a:rPr lang="ru-RU"/>
-              <a:t>12.09.2024</a:t>
+              <a:t>14.09.2024</a:t>
             </a:fld>
             <a:endParaRPr lang="ru-RU"/>
           </a:p>
@@ -663,7 +663,7 @@
             </a:pPr>
             <a:fld id="{BCC18F51-09EC-435C-A3BA-64A766E099C0}" type="datetimeFigureOut">
               <a:rPr lang="ru-RU"/>
-              <a:t>12.09.2024</a:t>
+              <a:t>14.09.2024</a:t>
             </a:fld>
             <a:endParaRPr lang="ru-RU"/>
           </a:p>
@@ -852,7 +852,7 @@
             </a:pPr>
             <a:fld id="{BCC18F51-09EC-435C-A3BA-64A766E099C0}" type="datetimeFigureOut">
               <a:rPr lang="ru-RU"/>
-              <a:t>12.09.2024</a:t>
+              <a:t>14.09.2024</a:t>
             </a:fld>
             <a:endParaRPr lang="ru-RU"/>
           </a:p>
@@ -1107,7 +1107,7 @@
             </a:pPr>
             <a:fld id="{BCC18F51-09EC-435C-A3BA-64A766E099C0}" type="datetimeFigureOut">
               <a:rPr lang="ru-RU"/>
-              <a:t>12.09.2024</a:t>
+              <a:t>14.09.2024</a:t>
             </a:fld>
             <a:endParaRPr lang="ru-RU"/>
           </a:p>
@@ -1371,7 +1371,7 @@
             </a:pPr>
             <a:fld id="{BCC18F51-09EC-435C-A3BA-64A766E099C0}" type="datetimeFigureOut">
               <a:rPr lang="ru-RU"/>
-              <a:t>12.09.2024</a:t>
+              <a:t>14.09.2024</a:t>
             </a:fld>
             <a:endParaRPr lang="ru-RU"/>
           </a:p>
@@ -1776,7 +1776,7 @@
             </a:pPr>
             <a:fld id="{BCC18F51-09EC-435C-A3BA-64A766E099C0}" type="datetimeFigureOut">
               <a:rPr lang="ru-RU"/>
-              <a:t>12.09.2024</a:t>
+              <a:t>14.09.2024</a:t>
             </a:fld>
             <a:endParaRPr lang="ru-RU"/>
           </a:p>
@@ -1900,7 +1900,7 @@
             </a:pPr>
             <a:fld id="{BCC18F51-09EC-435C-A3BA-64A766E099C0}" type="datetimeFigureOut">
               <a:rPr lang="ru-RU"/>
-              <a:t>12.09.2024</a:t>
+              <a:t>14.09.2024</a:t>
             </a:fld>
             <a:endParaRPr lang="ru-RU"/>
           </a:p>
@@ -1999,7 +1999,7 @@
             </a:pPr>
             <a:fld id="{BCC18F51-09EC-435C-A3BA-64A766E099C0}" type="datetimeFigureOut">
               <a:rPr lang="ru-RU"/>
-              <a:t>12.09.2024</a:t>
+              <a:t>14.09.2024</a:t>
             </a:fld>
             <a:endParaRPr lang="ru-RU"/>
           </a:p>
@@ -2298,7 +2298,7 @@
             </a:pPr>
             <a:fld id="{BCC18F51-09EC-435C-A3BA-64A766E099C0}" type="datetimeFigureOut">
               <a:rPr lang="ru-RU"/>
-              <a:t>12.09.2024</a:t>
+              <a:t>14.09.2024</a:t>
             </a:fld>
             <a:endParaRPr lang="ru-RU"/>
           </a:p>
@@ -2566,7 +2566,7 @@
             </a:pPr>
             <a:fld id="{BCC18F51-09EC-435C-A3BA-64A766E099C0}" type="datetimeFigureOut">
               <a:rPr lang="ru-RU"/>
-              <a:t>12.09.2024</a:t>
+              <a:t>14.09.2024</a:t>
             </a:fld>
             <a:endParaRPr lang="ru-RU"/>
           </a:p>
@@ -2798,7 +2798,7 @@
             </a:pPr>
             <a:fld id="{BCC18F51-09EC-435C-A3BA-64A766E099C0}" type="datetimeFigureOut">
               <a:rPr lang="ru-RU"/>
-              <a:t>12.09.2024</a:t>
+              <a:t>14.09.2024</a:t>
             </a:fld>
             <a:endParaRPr lang="ru-RU"/>
           </a:p>
@@ -4468,7 +4468,7 @@
         </p:nvSpPr>
         <p:spPr bwMode="auto">
           <a:xfrm>
-            <a:off x="838200" y="260648"/>
+            <a:off x="838200" y="209277"/>
             <a:ext cx="10515600" cy="1325562"/>
           </a:xfrm>
         </p:spPr>
@@ -4499,13 +4499,13 @@
         </p:nvSpPr>
         <p:spPr bwMode="auto">
           <a:xfrm>
-            <a:off x="658789" y="1299889"/>
-            <a:ext cx="10874422" cy="5192986"/>
+            <a:off x="119336" y="1299889"/>
+            <a:ext cx="11953327" cy="5192986"/>
           </a:xfrm>
         </p:spPr>
         <p:txBody>
           <a:bodyPr vertOverflow="overflow" horzOverflow="clip" vert="horz" wrap="square" lIns="91440" tIns="45720" rIns="91440" bIns="45720" numCol="1" spcCol="0" rtlCol="0" fromWordArt="0" anchor="t" anchorCtr="0" forceAA="0" compatLnSpc="0">
-            <a:normAutofit lnSpcReduction="10000"/>
+            <a:normAutofit fontScale="92500" lnSpcReduction="10000"/>
           </a:bodyPr>
           <a:lstStyle/>
           <a:p>
@@ -4904,7 +4904,42 @@
               </a:rPr>
               <a:t>MacOS moment: $ brew install [name]</a:t>
             </a:r>
-            <a:endParaRPr sz="2400" dirty="0">
+          </a:p>
+          <a:p>
+            <a:pPr marL="0" indent="0">
+              <a:buFont typeface="Arial"/>
+              <a:buNone/>
+              <a:defRPr/>
+            </a:pPr>
+            <a:r>
+              <a:rPr lang="en-US" sz="2400" dirty="0">
+                <a:latin typeface="Times New Roman" panose="02020603050405020304" pitchFamily="18" charset="0"/>
+                <a:cs typeface="Times New Roman" panose="02020603050405020304" pitchFamily="18" charset="0"/>
+              </a:rPr>
+              <a:t>			install brew: </a:t>
+            </a:r>
+            <a:r>
+              <a:rPr lang="en-US" sz="1700" dirty="0">
+                <a:latin typeface="Times New Roman" panose="02020603050405020304" pitchFamily="18" charset="0"/>
+                <a:cs typeface="Times New Roman" panose="02020603050405020304" pitchFamily="18" charset="0"/>
+              </a:rPr>
+              <a:t>$ /bin/bash -c "$(curl –</a:t>
+            </a:r>
+            <a:r>
+              <a:rPr lang="en-US" sz="1700" dirty="0" err="1">
+                <a:latin typeface="Times New Roman" panose="02020603050405020304" pitchFamily="18" charset="0"/>
+                <a:cs typeface="Times New Roman" panose="02020603050405020304" pitchFamily="18" charset="0"/>
+              </a:rPr>
+              <a:t>fsSL</a:t>
+            </a:r>
+            <a:r>
+              <a:rPr lang="en-US" sz="1700" dirty="0">
+                <a:latin typeface="Times New Roman" panose="02020603050405020304" pitchFamily="18" charset="0"/>
+                <a:cs typeface="Times New Roman" panose="02020603050405020304" pitchFamily="18" charset="0"/>
+              </a:rPr>
+              <a:t> https://raw.githubusercontent.com/Homebrew/install/HEAD/install.sh)"</a:t>
+            </a:r>
+            <a:endParaRPr sz="1700" dirty="0">
               <a:latin typeface="Times New Roman" panose="02020603050405020304" pitchFamily="18" charset="0"/>
               <a:cs typeface="Times New Roman" panose="02020603050405020304" pitchFamily="18" charset="0"/>
             </a:endParaRPr>
